--- a/Strategic tic tac toe demo slides.pptx
+++ b/Strategic tic tac toe demo slides.pptx
@@ -204,7 +204,7 @@
           <a:p>
             <a:fld id="{6F0F4F72-BE12-6B40-85E7-2531C5E4121E}" type="datetimeFigureOut">
               <a:rPr lang="en-US" smtClean="0"/>
-              <a:t>5/1/23</a:t>
+              <a:t>5/1/2023</a:t>
             </a:fld>
             <a:endParaRPr lang="en-US"/>
           </a:p>
@@ -705,7 +705,7 @@
           <a:p>
             <a:fld id="{F4BD9B5C-1C1A-0B45-AE90-E5227C2345B1}" type="datetimeFigureOut">
               <a:rPr lang="en-US" smtClean="0"/>
-              <a:t>5/1/23</a:t>
+              <a:t>5/1/2023</a:t>
             </a:fld>
             <a:endParaRPr lang="en-US"/>
           </a:p>
@@ -903,7 +903,7 @@
           <a:p>
             <a:fld id="{F4BD9B5C-1C1A-0B45-AE90-E5227C2345B1}" type="datetimeFigureOut">
               <a:rPr lang="en-US" smtClean="0"/>
-              <a:t>5/1/23</a:t>
+              <a:t>5/1/2023</a:t>
             </a:fld>
             <a:endParaRPr lang="en-US"/>
           </a:p>
@@ -1111,7 +1111,7 @@
           <a:p>
             <a:fld id="{F4BD9B5C-1C1A-0B45-AE90-E5227C2345B1}" type="datetimeFigureOut">
               <a:rPr lang="en-US" smtClean="0"/>
-              <a:t>5/1/23</a:t>
+              <a:t>5/1/2023</a:t>
             </a:fld>
             <a:endParaRPr lang="en-US"/>
           </a:p>
@@ -1309,7 +1309,7 @@
           <a:p>
             <a:fld id="{F4BD9B5C-1C1A-0B45-AE90-E5227C2345B1}" type="datetimeFigureOut">
               <a:rPr lang="en-US" smtClean="0"/>
-              <a:t>5/1/23</a:t>
+              <a:t>5/1/2023</a:t>
             </a:fld>
             <a:endParaRPr lang="en-US"/>
           </a:p>
@@ -1584,7 +1584,7 @@
           <a:p>
             <a:fld id="{F4BD9B5C-1C1A-0B45-AE90-E5227C2345B1}" type="datetimeFigureOut">
               <a:rPr lang="en-US" smtClean="0"/>
-              <a:t>5/1/23</a:t>
+              <a:t>5/1/2023</a:t>
             </a:fld>
             <a:endParaRPr lang="en-US"/>
           </a:p>
@@ -1849,7 +1849,7 @@
           <a:p>
             <a:fld id="{F4BD9B5C-1C1A-0B45-AE90-E5227C2345B1}" type="datetimeFigureOut">
               <a:rPr lang="en-US" smtClean="0"/>
-              <a:t>5/1/23</a:t>
+              <a:t>5/1/2023</a:t>
             </a:fld>
             <a:endParaRPr lang="en-US"/>
           </a:p>
@@ -2261,7 +2261,7 @@
           <a:p>
             <a:fld id="{F4BD9B5C-1C1A-0B45-AE90-E5227C2345B1}" type="datetimeFigureOut">
               <a:rPr lang="en-US" smtClean="0"/>
-              <a:t>5/1/23</a:t>
+              <a:t>5/1/2023</a:t>
             </a:fld>
             <a:endParaRPr lang="en-US"/>
           </a:p>
@@ -2402,7 +2402,7 @@
           <a:p>
             <a:fld id="{F4BD9B5C-1C1A-0B45-AE90-E5227C2345B1}" type="datetimeFigureOut">
               <a:rPr lang="en-US" smtClean="0"/>
-              <a:t>5/1/23</a:t>
+              <a:t>5/1/2023</a:t>
             </a:fld>
             <a:endParaRPr lang="en-US"/>
           </a:p>
@@ -2515,7 +2515,7 @@
           <a:p>
             <a:fld id="{F4BD9B5C-1C1A-0B45-AE90-E5227C2345B1}" type="datetimeFigureOut">
               <a:rPr lang="en-US" smtClean="0"/>
-              <a:t>5/1/23</a:t>
+              <a:t>5/1/2023</a:t>
             </a:fld>
             <a:endParaRPr lang="en-US"/>
           </a:p>
@@ -2826,7 +2826,7 @@
           <a:p>
             <a:fld id="{F4BD9B5C-1C1A-0B45-AE90-E5227C2345B1}" type="datetimeFigureOut">
               <a:rPr lang="en-US" smtClean="0"/>
-              <a:t>5/1/23</a:t>
+              <a:t>5/1/2023</a:t>
             </a:fld>
             <a:endParaRPr lang="en-US"/>
           </a:p>
@@ -3114,7 +3114,7 @@
           <a:p>
             <a:fld id="{F4BD9B5C-1C1A-0B45-AE90-E5227C2345B1}" type="datetimeFigureOut">
               <a:rPr lang="en-US" smtClean="0"/>
-              <a:t>5/1/23</a:t>
+              <a:t>5/1/2023</a:t>
             </a:fld>
             <a:endParaRPr lang="en-US"/>
           </a:p>
@@ -3365,7 +3365,7 @@
           <a:p>
             <a:fld id="{F4BD9B5C-1C1A-0B45-AE90-E5227C2345B1}" type="datetimeFigureOut">
               <a:rPr lang="en-US" smtClean="0"/>
-              <a:t>5/1/23</a:t>
+              <a:t>5/1/2023</a:t>
             </a:fld>
             <a:endParaRPr lang="en-US"/>
           </a:p>
@@ -4822,8 +4822,27 @@
                   <a:srgbClr val="FFFF00"/>
                 </a:highlight>
               </a:rPr>
-              <a:t>(Jacob)</a:t>
-            </a:r>
+              <a:t>(Jacob) (Yeah it was </a:t>
+            </a:r>
+            <a:r>
+              <a:rPr lang="en-US">
+                <a:solidFill>
+                  <a:srgbClr val="FF0000"/>
+                </a:solidFill>
+                <a:highlight>
+                  <a:srgbClr val="FFFF00"/>
+                </a:highlight>
+              </a:rPr>
+              <a:t>pretty bad)</a:t>
+            </a:r>
+            <a:endParaRPr lang="en-US" dirty="0">
+              <a:solidFill>
+                <a:srgbClr val="FF0000"/>
+              </a:solidFill>
+              <a:highlight>
+                <a:srgbClr val="FFFF00"/>
+              </a:highlight>
+            </a:endParaRPr>
           </a:p>
           <a:p>
             <a:endParaRPr lang="en-US" dirty="0"/>

--- a/Strategic tic tac toe demo slides.pptx
+++ b/Strategic tic tac toe demo slides.pptx
@@ -5,17 +5,18 @@
     <p:sldMasterId id="2147483648" r:id="rId1"/>
   </p:sldMasterIdLst>
   <p:notesMasterIdLst>
-    <p:notesMasterId r:id="rId10"/>
+    <p:notesMasterId r:id="rId11"/>
   </p:notesMasterIdLst>
   <p:sldIdLst>
     <p:sldId id="256" r:id="rId2"/>
     <p:sldId id="257" r:id="rId3"/>
-    <p:sldId id="258" r:id="rId4"/>
-    <p:sldId id="262" r:id="rId5"/>
-    <p:sldId id="261" r:id="rId6"/>
-    <p:sldId id="259" r:id="rId7"/>
-    <p:sldId id="260" r:id="rId8"/>
-    <p:sldId id="263" r:id="rId9"/>
+    <p:sldId id="262" r:id="rId4"/>
+    <p:sldId id="261" r:id="rId5"/>
+    <p:sldId id="259" r:id="rId6"/>
+    <p:sldId id="260" r:id="rId7"/>
+    <p:sldId id="263" r:id="rId8"/>
+    <p:sldId id="264" r:id="rId9"/>
+    <p:sldId id="258" r:id="rId10"/>
   </p:sldIdLst>
   <p:sldSz cx="12192000" cy="6858000"/>
   <p:notesSz cx="6858000" cy="9144000"/>
@@ -204,7 +205,7 @@
           <a:p>
             <a:fld id="{6F0F4F72-BE12-6B40-85E7-2531C5E4121E}" type="datetimeFigureOut">
               <a:rPr lang="en-US" smtClean="0"/>
-              <a:t>5/1/2023</a:t>
+              <a:t>5/7/23</a:t>
             </a:fld>
             <a:endParaRPr lang="en-US"/>
           </a:p>
@@ -705,7 +706,7 @@
           <a:p>
             <a:fld id="{F4BD9B5C-1C1A-0B45-AE90-E5227C2345B1}" type="datetimeFigureOut">
               <a:rPr lang="en-US" smtClean="0"/>
-              <a:t>5/1/2023</a:t>
+              <a:t>5/7/23</a:t>
             </a:fld>
             <a:endParaRPr lang="en-US"/>
           </a:p>
@@ -903,7 +904,7 @@
           <a:p>
             <a:fld id="{F4BD9B5C-1C1A-0B45-AE90-E5227C2345B1}" type="datetimeFigureOut">
               <a:rPr lang="en-US" smtClean="0"/>
-              <a:t>5/1/2023</a:t>
+              <a:t>5/7/23</a:t>
             </a:fld>
             <a:endParaRPr lang="en-US"/>
           </a:p>
@@ -1111,7 +1112,7 @@
           <a:p>
             <a:fld id="{F4BD9B5C-1C1A-0B45-AE90-E5227C2345B1}" type="datetimeFigureOut">
               <a:rPr lang="en-US" smtClean="0"/>
-              <a:t>5/1/2023</a:t>
+              <a:t>5/7/23</a:t>
             </a:fld>
             <a:endParaRPr lang="en-US"/>
           </a:p>
@@ -1309,7 +1310,7 @@
           <a:p>
             <a:fld id="{F4BD9B5C-1C1A-0B45-AE90-E5227C2345B1}" type="datetimeFigureOut">
               <a:rPr lang="en-US" smtClean="0"/>
-              <a:t>5/1/2023</a:t>
+              <a:t>5/7/23</a:t>
             </a:fld>
             <a:endParaRPr lang="en-US"/>
           </a:p>
@@ -1584,7 +1585,7 @@
           <a:p>
             <a:fld id="{F4BD9B5C-1C1A-0B45-AE90-E5227C2345B1}" type="datetimeFigureOut">
               <a:rPr lang="en-US" smtClean="0"/>
-              <a:t>5/1/2023</a:t>
+              <a:t>5/7/23</a:t>
             </a:fld>
             <a:endParaRPr lang="en-US"/>
           </a:p>
@@ -1849,7 +1850,7 @@
           <a:p>
             <a:fld id="{F4BD9B5C-1C1A-0B45-AE90-E5227C2345B1}" type="datetimeFigureOut">
               <a:rPr lang="en-US" smtClean="0"/>
-              <a:t>5/1/2023</a:t>
+              <a:t>5/7/23</a:t>
             </a:fld>
             <a:endParaRPr lang="en-US"/>
           </a:p>
@@ -2261,7 +2262,7 @@
           <a:p>
             <a:fld id="{F4BD9B5C-1C1A-0B45-AE90-E5227C2345B1}" type="datetimeFigureOut">
               <a:rPr lang="en-US" smtClean="0"/>
-              <a:t>5/1/2023</a:t>
+              <a:t>5/7/23</a:t>
             </a:fld>
             <a:endParaRPr lang="en-US"/>
           </a:p>
@@ -2402,7 +2403,7 @@
           <a:p>
             <a:fld id="{F4BD9B5C-1C1A-0B45-AE90-E5227C2345B1}" type="datetimeFigureOut">
               <a:rPr lang="en-US" smtClean="0"/>
-              <a:t>5/1/2023</a:t>
+              <a:t>5/7/23</a:t>
             </a:fld>
             <a:endParaRPr lang="en-US"/>
           </a:p>
@@ -2515,7 +2516,7 @@
           <a:p>
             <a:fld id="{F4BD9B5C-1C1A-0B45-AE90-E5227C2345B1}" type="datetimeFigureOut">
               <a:rPr lang="en-US" smtClean="0"/>
-              <a:t>5/1/2023</a:t>
+              <a:t>5/7/23</a:t>
             </a:fld>
             <a:endParaRPr lang="en-US"/>
           </a:p>
@@ -2826,7 +2827,7 @@
           <a:p>
             <a:fld id="{F4BD9B5C-1C1A-0B45-AE90-E5227C2345B1}" type="datetimeFigureOut">
               <a:rPr lang="en-US" smtClean="0"/>
-              <a:t>5/1/2023</a:t>
+              <a:t>5/7/23</a:t>
             </a:fld>
             <a:endParaRPr lang="en-US"/>
           </a:p>
@@ -3114,7 +3115,7 @@
           <a:p>
             <a:fld id="{F4BD9B5C-1C1A-0B45-AE90-E5227C2345B1}" type="datetimeFigureOut">
               <a:rPr lang="en-US" smtClean="0"/>
-              <a:t>5/1/2023</a:t>
+              <a:t>5/7/23</a:t>
             </a:fld>
             <a:endParaRPr lang="en-US"/>
           </a:p>
@@ -3365,7 +3366,7 @@
           <a:p>
             <a:fld id="{F4BD9B5C-1C1A-0B45-AE90-E5227C2345B1}" type="datetimeFigureOut">
               <a:rPr lang="en-US" smtClean="0"/>
-              <a:t>5/1/2023</a:t>
+              <a:t>5/7/23</a:t>
             </a:fld>
             <a:endParaRPr lang="en-US"/>
           </a:p>
@@ -3798,7 +3799,12 @@
             <p:ph type="ctrTitle"/>
           </p:nvPr>
         </p:nvSpPr>
-        <p:spPr/>
+        <p:spPr>
+          <a:xfrm>
+            <a:off x="1316736" y="1600200"/>
+            <a:ext cx="9144000" cy="2387600"/>
+          </a:xfrm>
+        </p:spPr>
         <p:txBody>
           <a:bodyPr>
             <a:normAutofit/>
@@ -3855,7 +3861,7 @@
           <a:p>
             <a:r>
               <a:rPr lang="en-US" dirty="0"/>
-              <a:t>Team Awesome</a:t>
+              <a:t>By Team Awesome</a:t>
             </a:r>
           </a:p>
         </p:txBody>
@@ -3918,7 +3924,7 @@
           <a:p>
             <a:r>
               <a:rPr lang="en-US" dirty="0"/>
-              <a:t>Overview of Game</a:t>
+              <a:t>Overview of game</a:t>
             </a:r>
           </a:p>
         </p:txBody>
@@ -4097,7 +4103,7 @@
           <p:cNvPr id="2" name="Title 1">
             <a:extLst>
               <a:ext uri="{FF2B5EF4-FFF2-40B4-BE49-F238E27FC236}">
-                <a16:creationId xmlns:a16="http://schemas.microsoft.com/office/drawing/2014/main" id="{49605A85-CDDD-A83A-7A70-0D16AD582FE7}"/>
+                <a16:creationId xmlns:a16="http://schemas.microsoft.com/office/drawing/2014/main" id="{CCC6DEA7-C057-1348-1579-FD80E3FFB59B}"/>
               </a:ext>
             </a:extLst>
           </p:cNvPr>
@@ -4108,19 +4114,14 @@
             <p:ph type="title"/>
           </p:nvPr>
         </p:nvSpPr>
-        <p:spPr>
-          <a:xfrm>
-            <a:off x="167640" y="194437"/>
-            <a:ext cx="10515600" cy="1325563"/>
-          </a:xfrm>
-        </p:spPr>
+        <p:spPr/>
         <p:txBody>
           <a:bodyPr/>
           <a:lstStyle/>
           <a:p>
             <a:r>
               <a:rPr lang="en-US" dirty="0"/>
-              <a:t>Our game demo</a:t>
+              <a:t>Current Implementation</a:t>
             </a:r>
           </a:p>
         </p:txBody>
@@ -4130,7 +4131,7 @@
           <p:cNvPr id="3" name="Content Placeholder 2">
             <a:extLst>
               <a:ext uri="{FF2B5EF4-FFF2-40B4-BE49-F238E27FC236}">
-                <a16:creationId xmlns:a16="http://schemas.microsoft.com/office/drawing/2014/main" id="{0BDF41E7-B99C-3F43-C5DD-FBFE09BADC2F}"/>
+                <a16:creationId xmlns:a16="http://schemas.microsoft.com/office/drawing/2014/main" id="{215E6200-D706-F70C-C430-768EC834746C}"/>
               </a:ext>
             </a:extLst>
           </p:cNvPr>
@@ -4147,26 +4148,40 @@
           <a:lstStyle/>
           <a:p>
             <a:r>
-              <a:rPr lang="en-US" dirty="0">
-                <a:solidFill>
-                  <a:srgbClr val="FF0000"/>
-                </a:solidFill>
-                <a:highlight>
-                  <a:srgbClr val="FFFF00"/>
-                </a:highlight>
-              </a:rPr>
-              <a:t>Photo of display here</a:t>
-            </a:r>
-          </a:p>
-          <a:p>
-            <a:endParaRPr lang="en-US" dirty="0"/>
+              <a:rPr lang="en-US" dirty="0"/>
+              <a:t>Game</a:t>
+            </a:r>
+          </a:p>
+          <a:p>
+            <a:r>
+              <a:rPr lang="en-US" dirty="0"/>
+              <a:t>Two Player</a:t>
+            </a:r>
+          </a:p>
+          <a:p>
+            <a:r>
+              <a:rPr lang="en-US" dirty="0"/>
+              <a:t>Basic Menu</a:t>
+            </a:r>
+          </a:p>
+          <a:p>
+            <a:r>
+              <a:rPr lang="en-US" dirty="0"/>
+              <a:t>Saving/Loading</a:t>
+            </a:r>
+          </a:p>
+          <a:p>
+            <a:r>
+              <a:rPr lang="en-US" dirty="0"/>
+              <a:t>Fine tuned display</a:t>
+            </a:r>
           </a:p>
         </p:txBody>
       </p:sp>
     </p:spTree>
     <p:extLst>
       <p:ext uri="{BB962C8B-B14F-4D97-AF65-F5344CB8AC3E}">
-        <p14:creationId xmlns:p14="http://schemas.microsoft.com/office/powerpoint/2010/main" val="2478703220"/>
+        <p14:creationId xmlns:p14="http://schemas.microsoft.com/office/powerpoint/2010/main" val="2692436472"/>
       </p:ext>
     </p:extLst>
   </p:cSld>
@@ -4198,7 +4213,7 @@
           <p:cNvPr id="2" name="Title 1">
             <a:extLst>
               <a:ext uri="{FF2B5EF4-FFF2-40B4-BE49-F238E27FC236}">
-                <a16:creationId xmlns:a16="http://schemas.microsoft.com/office/drawing/2014/main" id="{CCC6DEA7-C057-1348-1579-FD80E3FFB59B}"/>
+                <a16:creationId xmlns:a16="http://schemas.microsoft.com/office/drawing/2014/main" id="{9589EEFC-AC55-E393-BED5-4FB87B6DEC51}"/>
               </a:ext>
             </a:extLst>
           </p:cNvPr>
@@ -4209,14 +4224,19 @@
             <p:ph type="title"/>
           </p:nvPr>
         </p:nvSpPr>
-        <p:spPr/>
+        <p:spPr>
+          <a:xfrm>
+            <a:off x="266700" y="365125"/>
+            <a:ext cx="10515600" cy="1325563"/>
+          </a:xfrm>
+        </p:spPr>
         <p:txBody>
           <a:bodyPr/>
           <a:lstStyle/>
           <a:p>
             <a:r>
               <a:rPr lang="en-US" dirty="0"/>
-              <a:t>Current Implementation</a:t>
+              <a:t>Future implementation(s)</a:t>
             </a:r>
           </a:p>
         </p:txBody>
@@ -4226,7 +4246,7 @@
           <p:cNvPr id="3" name="Content Placeholder 2">
             <a:extLst>
               <a:ext uri="{FF2B5EF4-FFF2-40B4-BE49-F238E27FC236}">
-                <a16:creationId xmlns:a16="http://schemas.microsoft.com/office/drawing/2014/main" id="{215E6200-D706-F70C-C430-768EC834746C}"/>
+                <a16:creationId xmlns:a16="http://schemas.microsoft.com/office/drawing/2014/main" id="{E41FB81B-5459-4136-7C2B-3A7BCCCA5AB5}"/>
               </a:ext>
             </a:extLst>
           </p:cNvPr>
@@ -4237,34 +4257,64 @@
             <p:ph idx="1"/>
           </p:nvPr>
         </p:nvSpPr>
-        <p:spPr/>
+        <p:spPr>
+          <a:xfrm>
+            <a:off x="266700" y="1690688"/>
+            <a:ext cx="10515600" cy="4351338"/>
+          </a:xfrm>
+        </p:spPr>
         <p:txBody>
           <a:bodyPr/>
           <a:lstStyle/>
           <a:p>
             <a:r>
               <a:rPr lang="en-US" dirty="0"/>
-              <a:t>Playable game</a:t>
+              <a:t>Animations</a:t>
             </a:r>
           </a:p>
           <a:p>
             <a:r>
               <a:rPr lang="en-US" dirty="0"/>
-              <a:t>Two Player</a:t>
+              <a:t>Multiple saves</a:t>
             </a:r>
           </a:p>
           <a:p>
             <a:r>
               <a:rPr lang="en-US" dirty="0"/>
-              <a:t>Basic Menu</a:t>
-            </a:r>
+              <a:t>Single Player</a:t>
+            </a:r>
+          </a:p>
+          <a:p>
+            <a:r>
+              <a:rPr lang="en-US" dirty="0"/>
+              <a:t>How to play</a:t>
+            </a:r>
+          </a:p>
+          <a:p>
+            <a:r>
+              <a:rPr lang="en-US" dirty="0"/>
+              <a:t>Board highlights next square</a:t>
+            </a:r>
+          </a:p>
+          <a:p>
+            <a:r>
+              <a:rPr lang="en-US" dirty="0">
+                <a:highlight>
+                  <a:srgbClr val="FFFF00"/>
+                </a:highlight>
+              </a:rPr>
+              <a:t>Logic??</a:t>
+            </a:r>
+          </a:p>
+          <a:p>
+            <a:endParaRPr lang="en-US" dirty="0"/>
           </a:p>
         </p:txBody>
       </p:sp>
     </p:spTree>
     <p:extLst>
       <p:ext uri="{BB962C8B-B14F-4D97-AF65-F5344CB8AC3E}">
-        <p14:creationId xmlns:p14="http://schemas.microsoft.com/office/powerpoint/2010/main" val="2692436472"/>
+        <p14:creationId xmlns:p14="http://schemas.microsoft.com/office/powerpoint/2010/main" val="236032546"/>
       </p:ext>
     </p:extLst>
   </p:cSld>
@@ -4296,7 +4346,7 @@
           <p:cNvPr id="2" name="Title 1">
             <a:extLst>
               <a:ext uri="{FF2B5EF4-FFF2-40B4-BE49-F238E27FC236}">
-                <a16:creationId xmlns:a16="http://schemas.microsoft.com/office/drawing/2014/main" id="{9589EEFC-AC55-E393-BED5-4FB87B6DEC51}"/>
+                <a16:creationId xmlns:a16="http://schemas.microsoft.com/office/drawing/2014/main" id="{269ED7A2-4DBF-30F9-06FC-BF254D741CDF}"/>
               </a:ext>
             </a:extLst>
           </p:cNvPr>
@@ -4307,19 +4357,14 @@
             <p:ph type="title"/>
           </p:nvPr>
         </p:nvSpPr>
-        <p:spPr>
-          <a:xfrm>
-            <a:off x="266700" y="365125"/>
-            <a:ext cx="10515600" cy="1325563"/>
-          </a:xfrm>
-        </p:spPr>
+        <p:spPr/>
         <p:txBody>
           <a:bodyPr/>
           <a:lstStyle/>
           <a:p>
             <a:r>
               <a:rPr lang="en-US" dirty="0"/>
-              <a:t>Future implementation(s)</a:t>
+              <a:t>What worked</a:t>
             </a:r>
           </a:p>
         </p:txBody>
@@ -4329,7 +4374,7 @@
           <p:cNvPr id="3" name="Content Placeholder 2">
             <a:extLst>
               <a:ext uri="{FF2B5EF4-FFF2-40B4-BE49-F238E27FC236}">
-                <a16:creationId xmlns:a16="http://schemas.microsoft.com/office/drawing/2014/main" id="{E41FB81B-5459-4136-7C2B-3A7BCCCA5AB5}"/>
+                <a16:creationId xmlns:a16="http://schemas.microsoft.com/office/drawing/2014/main" id="{E5AC1453-EA95-FFE3-1C02-DB5DD7D69EDB}"/>
               </a:ext>
             </a:extLst>
           </p:cNvPr>
@@ -4340,61 +4385,51 @@
             <p:ph idx="1"/>
           </p:nvPr>
         </p:nvSpPr>
-        <p:spPr>
-          <a:xfrm>
-            <a:off x="266700" y="1690688"/>
-            <a:ext cx="10515600" cy="4351338"/>
-          </a:xfrm>
-        </p:spPr>
+        <p:spPr/>
         <p:txBody>
           <a:bodyPr/>
           <a:lstStyle/>
           <a:p>
             <a:r>
               <a:rPr lang="en-US" dirty="0"/>
-              <a:t>Animations</a:t>
+              <a:t>Intuitiveness</a:t>
             </a:r>
           </a:p>
           <a:p>
             <a:r>
               <a:rPr lang="en-US" dirty="0"/>
-              <a:t>Multiple saves</a:t>
+              <a:t>Win conditions</a:t>
             </a:r>
           </a:p>
           <a:p>
             <a:r>
               <a:rPr lang="en-US" dirty="0"/>
-              <a:t>Single Player</a:t>
+              <a:t>Simple controls</a:t>
             </a:r>
           </a:p>
           <a:p>
             <a:r>
               <a:rPr lang="en-US" dirty="0"/>
-              <a:t>Fine tuned display</a:t>
+              <a:t>Jumping boards</a:t>
             </a:r>
           </a:p>
           <a:p>
             <a:r>
               <a:rPr lang="en-US" dirty="0"/>
-              <a:t>How to play</a:t>
+              <a:t>Save/Load with characters</a:t>
             </a:r>
           </a:p>
           <a:p>
             <a:r>
               <a:rPr lang="en-US" dirty="0"/>
-              <a:t>Board highlights </a:t>
-            </a:r>
-            <a:r>
-              <a:rPr lang="en-US" dirty="0">
-                <a:solidFill>
-                  <a:srgbClr val="FF0000"/>
-                </a:solidFill>
-                <a:highlight>
-                  <a:srgbClr val="FFFF00"/>
-                </a:highlight>
-              </a:rPr>
-              <a:t>(current square and next one if spot is picked)</a:t>
-            </a:r>
+              <a:t>Some integration</a:t>
+            </a:r>
+          </a:p>
+          <a:p>
+            <a:endParaRPr lang="en-US" dirty="0"/>
+          </a:p>
+          <a:p>
+            <a:endParaRPr lang="en-US" dirty="0"/>
           </a:p>
           <a:p>
             <a:endParaRPr lang="en-US" dirty="0"/>
@@ -4404,7 +4439,7 @@
     </p:spTree>
     <p:extLst>
       <p:ext uri="{BB962C8B-B14F-4D97-AF65-F5344CB8AC3E}">
-        <p14:creationId xmlns:p14="http://schemas.microsoft.com/office/powerpoint/2010/main" val="236032546"/>
+        <p14:creationId xmlns:p14="http://schemas.microsoft.com/office/powerpoint/2010/main" val="713443804"/>
       </p:ext>
     </p:extLst>
   </p:cSld>
@@ -4436,7 +4471,7 @@
           <p:cNvPr id="2" name="Title 1">
             <a:extLst>
               <a:ext uri="{FF2B5EF4-FFF2-40B4-BE49-F238E27FC236}">
-                <a16:creationId xmlns:a16="http://schemas.microsoft.com/office/drawing/2014/main" id="{269ED7A2-4DBF-30F9-06FC-BF254D741CDF}"/>
+                <a16:creationId xmlns:a16="http://schemas.microsoft.com/office/drawing/2014/main" id="{BC7673DA-7FAB-0E51-0031-AEBE4CF6DB00}"/>
               </a:ext>
             </a:extLst>
           </p:cNvPr>
@@ -4454,7 +4489,7 @@
           <a:p>
             <a:r>
               <a:rPr lang="en-US" dirty="0"/>
-              <a:t>What worked</a:t>
+              <a:t>What didn’t</a:t>
             </a:r>
           </a:p>
         </p:txBody>
@@ -4464,7 +4499,7 @@
           <p:cNvPr id="3" name="Content Placeholder 2">
             <a:extLst>
               <a:ext uri="{FF2B5EF4-FFF2-40B4-BE49-F238E27FC236}">
-                <a16:creationId xmlns:a16="http://schemas.microsoft.com/office/drawing/2014/main" id="{E5AC1453-EA95-FFE3-1C02-DB5DD7D69EDB}"/>
+                <a16:creationId xmlns:a16="http://schemas.microsoft.com/office/drawing/2014/main" id="{16BC4256-CD40-F709-6A4E-0C61BE8410EE}"/>
               </a:ext>
             </a:extLst>
           </p:cNvPr>
@@ -4481,49 +4516,47 @@
           <a:lstStyle/>
           <a:p>
             <a:r>
+              <a:rPr lang="en-US" dirty="0" err="1"/>
+              <a:t>GameBoard</a:t>
+            </a:r>
+            <a:r>
               <a:rPr lang="en-US" dirty="0"/>
-              <a:t>Intuitiveness</a:t>
-            </a:r>
+              <a:t> -&gt; </a:t>
+            </a:r>
+            <a:r>
+              <a:rPr lang="en-US" dirty="0" err="1"/>
+              <a:t>TicTacBoard</a:t>
+            </a:r>
+            <a:endParaRPr lang="en-US" dirty="0"/>
           </a:p>
           <a:p>
             <a:r>
               <a:rPr lang="en-US" dirty="0"/>
-              <a:t>Win conditions</a:t>
+              <a:t>Saving objects to file</a:t>
             </a:r>
           </a:p>
           <a:p>
             <a:r>
               <a:rPr lang="en-US" dirty="0"/>
-              <a:t>Simple controls</a:t>
-            </a:r>
-          </a:p>
-          <a:p>
-            <a:r>
-              <a:rPr lang="en-US" dirty="0"/>
-              <a:t>Jumping boards</a:t>
-            </a:r>
-          </a:p>
-          <a:p>
-            <a:r>
-              <a:rPr lang="en-US" dirty="0"/>
-              <a:t>Save/Load with characters</a:t>
-            </a:r>
-          </a:p>
-          <a:p>
-            <a:endParaRPr lang="en-US" dirty="0"/>
-          </a:p>
-          <a:p>
-            <a:endParaRPr lang="en-US" dirty="0"/>
-          </a:p>
-          <a:p>
-            <a:endParaRPr lang="en-US" dirty="0"/>
+              <a:t>GitHub</a:t>
+            </a:r>
+          </a:p>
+          <a:p>
+            <a:r>
+              <a:rPr lang="en-US" dirty="0">
+                <a:highlight>
+                  <a:srgbClr val="FFFF00"/>
+                </a:highlight>
+              </a:rPr>
+              <a:t>Consistent logic (inputs)</a:t>
+            </a:r>
           </a:p>
         </p:txBody>
       </p:sp>
     </p:spTree>
     <p:extLst>
       <p:ext uri="{BB962C8B-B14F-4D97-AF65-F5344CB8AC3E}">
-        <p14:creationId xmlns:p14="http://schemas.microsoft.com/office/powerpoint/2010/main" val="713443804"/>
+        <p14:creationId xmlns:p14="http://schemas.microsoft.com/office/powerpoint/2010/main" val="2825758686"/>
       </p:ext>
     </p:extLst>
   </p:cSld>
@@ -4555,7 +4588,7 @@
           <p:cNvPr id="2" name="Title 1">
             <a:extLst>
               <a:ext uri="{FF2B5EF4-FFF2-40B4-BE49-F238E27FC236}">
-                <a16:creationId xmlns:a16="http://schemas.microsoft.com/office/drawing/2014/main" id="{BC7673DA-7FAB-0E51-0031-AEBE4CF6DB00}"/>
+                <a16:creationId xmlns:a16="http://schemas.microsoft.com/office/drawing/2014/main" id="{98A82632-ED6B-D15C-FE43-9D483AC001CA}"/>
               </a:ext>
             </a:extLst>
           </p:cNvPr>
@@ -4566,14 +4599,19 @@
             <p:ph type="title"/>
           </p:nvPr>
         </p:nvSpPr>
-        <p:spPr/>
+        <p:spPr>
+          <a:xfrm>
+            <a:off x="280987" y="293687"/>
+            <a:ext cx="10515600" cy="1325563"/>
+          </a:xfrm>
+        </p:spPr>
         <p:txBody>
           <a:bodyPr/>
           <a:lstStyle/>
           <a:p>
             <a:r>
               <a:rPr lang="en-US" dirty="0"/>
-              <a:t>What didn’t</a:t>
+              <a:t>Obstacles</a:t>
             </a:r>
           </a:p>
         </p:txBody>
@@ -4583,7 +4621,7 @@
           <p:cNvPr id="3" name="Content Placeholder 2">
             <a:extLst>
               <a:ext uri="{FF2B5EF4-FFF2-40B4-BE49-F238E27FC236}">
-                <a16:creationId xmlns:a16="http://schemas.microsoft.com/office/drawing/2014/main" id="{16BC4256-CD40-F709-6A4E-0C61BE8410EE}"/>
+                <a16:creationId xmlns:a16="http://schemas.microsoft.com/office/drawing/2014/main" id="{FEA091E6-BA88-A736-746C-FD1DC4923084}"/>
               </a:ext>
             </a:extLst>
           </p:cNvPr>
@@ -4594,36 +4632,88 @@
             <p:ph idx="1"/>
           </p:nvPr>
         </p:nvSpPr>
-        <p:spPr/>
-        <p:txBody>
-          <a:bodyPr/>
-          <a:lstStyle/>
-          <a:p>
-            <a:r>
-              <a:rPr lang="en-US" dirty="0" err="1"/>
-              <a:t>GameBoard</a:t>
-            </a:r>
+        <p:spPr>
+          <a:xfrm>
+            <a:off x="280987" y="1754187"/>
+            <a:ext cx="10515600" cy="4351338"/>
+          </a:xfrm>
+        </p:spPr>
+        <p:txBody>
+          <a:bodyPr>
+            <a:normAutofit/>
+          </a:bodyPr>
+          <a:lstStyle/>
+          <a:p>
             <a:r>
               <a:rPr lang="en-US" dirty="0"/>
-              <a:t> -&gt; </a:t>
-            </a:r>
-            <a:r>
-              <a:rPr lang="en-US" dirty="0" err="1"/>
-              <a:t>TicTacBoard</a:t>
-            </a:r>
+              <a:t>Displaying</a:t>
+            </a:r>
+            <a:endParaRPr lang="en-US" dirty="0">
+              <a:solidFill>
+                <a:srgbClr val="FF0000"/>
+              </a:solidFill>
+              <a:highlight>
+                <a:srgbClr val="FFFF00"/>
+              </a:highlight>
+            </a:endParaRPr>
+          </a:p>
+          <a:p>
+            <a:r>
+              <a:rPr lang="en-US" dirty="0"/>
+              <a:t>Segmentation Fault</a:t>
+            </a:r>
+          </a:p>
+          <a:p>
+            <a:r>
+              <a:rPr lang="en-US" dirty="0"/>
+              <a:t>Saving/load game </a:t>
+            </a:r>
+          </a:p>
+          <a:p>
+            <a:r>
+              <a:rPr lang="en-US" dirty="0"/>
+              <a:t>Same code doing different things</a:t>
+            </a:r>
+          </a:p>
+          <a:p>
+            <a:r>
+              <a:rPr lang="en-US" dirty="0"/>
+              <a:t>Where to use polymorphism </a:t>
+            </a:r>
+            <a:endParaRPr lang="en-US" dirty="0">
+              <a:solidFill>
+                <a:srgbClr val="FF0000"/>
+              </a:solidFill>
+              <a:highlight>
+                <a:srgbClr val="FFFF00"/>
+              </a:highlight>
+            </a:endParaRPr>
+          </a:p>
+          <a:p>
+            <a:r>
+              <a:rPr lang="en-US" dirty="0"/>
+              <a:t>Ubuntu </a:t>
+            </a:r>
+            <a:endParaRPr lang="en-US" dirty="0">
+              <a:solidFill>
+                <a:srgbClr val="FF0000"/>
+              </a:solidFill>
+              <a:highlight>
+                <a:srgbClr val="FFFF00"/>
+              </a:highlight>
+            </a:endParaRPr>
+          </a:p>
+          <a:p>
+            <a:r>
+              <a:rPr lang="en-US" dirty="0"/>
+              <a:t>Collaboration</a:t>
+            </a:r>
+          </a:p>
+          <a:p>
             <a:endParaRPr lang="en-US" dirty="0"/>
           </a:p>
           <a:p>
-            <a:r>
-              <a:rPr lang="en-US" dirty="0"/>
-              <a:t>Saving objects to file</a:t>
-            </a:r>
-          </a:p>
-          <a:p>
-            <a:r>
-              <a:rPr lang="en-US" dirty="0"/>
-              <a:t>Colors in display</a:t>
-            </a:r>
+            <a:endParaRPr lang="en-US" dirty="0"/>
           </a:p>
           <a:p>
             <a:endParaRPr lang="en-US" dirty="0"/>
@@ -4633,7 +4723,7 @@
     </p:spTree>
     <p:extLst>
       <p:ext uri="{BB962C8B-B14F-4D97-AF65-F5344CB8AC3E}">
-        <p14:creationId xmlns:p14="http://schemas.microsoft.com/office/powerpoint/2010/main" val="2825758686"/>
+        <p14:creationId xmlns:p14="http://schemas.microsoft.com/office/powerpoint/2010/main" val="1679180380"/>
       </p:ext>
     </p:extLst>
   </p:cSld>
@@ -4665,7 +4755,120 @@
           <p:cNvPr id="2" name="Title 1">
             <a:extLst>
               <a:ext uri="{FF2B5EF4-FFF2-40B4-BE49-F238E27FC236}">
-                <a16:creationId xmlns:a16="http://schemas.microsoft.com/office/drawing/2014/main" id="{98A82632-ED6B-D15C-FE43-9D483AC001CA}"/>
+                <a16:creationId xmlns:a16="http://schemas.microsoft.com/office/drawing/2014/main" id="{C725088E-FAFC-63D7-769E-59FFB44FB3AD}"/>
+              </a:ext>
+            </a:extLst>
+          </p:cNvPr>
+          <p:cNvSpPr>
+            <a:spLocks noGrp="1"/>
+          </p:cNvSpPr>
+          <p:nvPr>
+            <p:ph type="title"/>
+          </p:nvPr>
+        </p:nvSpPr>
+        <p:spPr/>
+        <p:txBody>
+          <a:bodyPr/>
+          <a:lstStyle/>
+          <a:p>
+            <a:r>
+              <a:rPr lang="en-US" dirty="0"/>
+              <a:t>Next Time</a:t>
+            </a:r>
+          </a:p>
+        </p:txBody>
+      </p:sp>
+      <p:sp>
+        <p:nvSpPr>
+          <p:cNvPr id="3" name="Content Placeholder 2">
+            <a:extLst>
+              <a:ext uri="{FF2B5EF4-FFF2-40B4-BE49-F238E27FC236}">
+                <a16:creationId xmlns:a16="http://schemas.microsoft.com/office/drawing/2014/main" id="{1A1AEC6E-7921-F2F2-F943-A2DBB1C17B69}"/>
+              </a:ext>
+            </a:extLst>
+          </p:cNvPr>
+          <p:cNvSpPr>
+            <a:spLocks noGrp="1"/>
+          </p:cNvSpPr>
+          <p:nvPr>
+            <p:ph idx="1"/>
+          </p:nvPr>
+        </p:nvSpPr>
+        <p:spPr/>
+        <p:txBody>
+          <a:bodyPr/>
+          <a:lstStyle/>
+          <a:p>
+            <a:r>
+              <a:rPr lang="en-US" dirty="0"/>
+              <a:t>Test collaboration tool</a:t>
+            </a:r>
+          </a:p>
+          <a:p>
+            <a:r>
+              <a:rPr lang="en-US" dirty="0"/>
+              <a:t>Same page</a:t>
+            </a:r>
+          </a:p>
+          <a:p>
+            <a:r>
+              <a:rPr lang="en-US" dirty="0"/>
+              <a:t>Early Start</a:t>
+            </a:r>
+          </a:p>
+          <a:p>
+            <a:r>
+              <a:rPr lang="en-US" dirty="0"/>
+              <a:t>Working Ubuntu on all devices</a:t>
+            </a:r>
+          </a:p>
+          <a:p>
+            <a:endParaRPr lang="en-US" dirty="0"/>
+          </a:p>
+          <a:p>
+            <a:endParaRPr lang="en-US" dirty="0"/>
+          </a:p>
+          <a:p>
+            <a:endParaRPr lang="en-US" dirty="0"/>
+          </a:p>
+        </p:txBody>
+      </p:sp>
+    </p:spTree>
+    <p:extLst>
+      <p:ext uri="{BB962C8B-B14F-4D97-AF65-F5344CB8AC3E}">
+        <p14:creationId xmlns:p14="http://schemas.microsoft.com/office/powerpoint/2010/main" val="3991590782"/>
+      </p:ext>
+    </p:extLst>
+  </p:cSld>
+  <p:clrMapOvr>
+    <a:masterClrMapping/>
+  </p:clrMapOvr>
+</p:sld>
+</file>
+
+<file path=ppt/slides/slide9.xml><?xml version="1.0" encoding="utf-8"?>
+<p:sld xmlns:a="http://schemas.openxmlformats.org/drawingml/2006/main" xmlns:r="http://schemas.openxmlformats.org/officeDocument/2006/relationships" xmlns:p="http://schemas.openxmlformats.org/presentationml/2006/main">
+  <p:cSld>
+    <p:spTree>
+      <p:nvGrpSpPr>
+        <p:cNvPr id="1" name=""/>
+        <p:cNvGrpSpPr/>
+        <p:nvPr/>
+      </p:nvGrpSpPr>
+      <p:grpSpPr>
+        <a:xfrm>
+          <a:off x="0" y="0"/>
+          <a:ext cx="0" cy="0"/>
+          <a:chOff x="0" y="0"/>
+          <a:chExt cx="0" cy="0"/>
+        </a:xfrm>
+      </p:grpSpPr>
+      <p:sp>
+        <p:nvSpPr>
+          <p:cNvPr id="2" name="Title 1">
+            <a:extLst>
+              <a:ext uri="{FF2B5EF4-FFF2-40B4-BE49-F238E27FC236}">
+                <a16:creationId xmlns:a16="http://schemas.microsoft.com/office/drawing/2014/main" id="{49605A85-CDDD-A83A-7A70-0D16AD582FE7}"/>
               </a:ext>
             </a:extLst>
           </p:cNvPr>
@@ -4678,7 +4881,7 @@
         </p:nvSpPr>
         <p:spPr>
           <a:xfrm>
-            <a:off x="280987" y="293687"/>
+            <a:off x="167640" y="194437"/>
             <a:ext cx="10515600" cy="1325563"/>
           </a:xfrm>
         </p:spPr>
@@ -4688,177 +4891,75 @@
           <a:p>
             <a:r>
               <a:rPr lang="en-US" dirty="0"/>
-              <a:t>Obstacles</a:t>
-            </a:r>
-          </a:p>
-        </p:txBody>
-      </p:sp>
-      <p:sp>
-        <p:nvSpPr>
-          <p:cNvPr id="3" name="Content Placeholder 2">
-            <a:extLst>
-              <a:ext uri="{FF2B5EF4-FFF2-40B4-BE49-F238E27FC236}">
-                <a16:creationId xmlns:a16="http://schemas.microsoft.com/office/drawing/2014/main" id="{FEA091E6-BA88-A736-746C-FD1DC4923084}"/>
-              </a:ext>
-            </a:extLst>
-          </p:cNvPr>
-          <p:cNvSpPr>
-            <a:spLocks noGrp="1"/>
-          </p:cNvSpPr>
-          <p:nvPr>
-            <p:ph idx="1"/>
-          </p:nvPr>
-        </p:nvSpPr>
+              <a:t>Our game demo</a:t>
+            </a:r>
+          </a:p>
+        </p:txBody>
+      </p:sp>
+      <p:pic>
+        <p:nvPicPr>
+          <p:cNvPr id="8" name="Picture 7">
+            <a:extLst>
+              <a:ext uri="{FF2B5EF4-FFF2-40B4-BE49-F238E27FC236}">
+                <a16:creationId xmlns:a16="http://schemas.microsoft.com/office/drawing/2014/main" id="{FAA25FE6-82BB-7863-D4A0-C77B87783D6B}"/>
+              </a:ext>
+            </a:extLst>
+          </p:cNvPr>
+          <p:cNvPicPr>
+            <a:picLocks noChangeAspect="1"/>
+          </p:cNvPicPr>
+          <p:nvPr/>
+        </p:nvPicPr>
+        <p:blipFill>
+          <a:blip r:embed="rId2"/>
+          <a:stretch>
+            <a:fillRect/>
+          </a:stretch>
+        </p:blipFill>
         <p:spPr>
           <a:xfrm>
-            <a:off x="280987" y="1754187"/>
-            <a:ext cx="10515600" cy="4351338"/>
+            <a:off x="167640" y="1357312"/>
+            <a:ext cx="5085983" cy="5174435"/>
           </a:xfrm>
+          <a:prstGeom prst="rect">
+            <a:avLst/>
+          </a:prstGeom>
         </p:spPr>
-        <p:txBody>
-          <a:bodyPr/>
-          <a:lstStyle/>
-          <a:p>
-            <a:r>
-              <a:rPr lang="en-US" dirty="0"/>
-              <a:t>Displaying </a:t>
-            </a:r>
-            <a:r>
-              <a:rPr lang="en-US" dirty="0">
-                <a:solidFill>
-                  <a:srgbClr val="FF0000"/>
-                </a:solidFill>
-                <a:highlight>
-                  <a:srgbClr val="FFFF00"/>
-                </a:highlight>
-              </a:rPr>
-              <a:t>idk what went wrong (colors, rectangles, highlighting one square, </a:t>
-            </a:r>
-            <a:r>
-              <a:rPr lang="en-US" dirty="0" err="1">
-                <a:solidFill>
-                  <a:srgbClr val="FF0000"/>
-                </a:solidFill>
-                <a:highlight>
-                  <a:srgbClr val="FFFF00"/>
-                </a:highlight>
-              </a:rPr>
-              <a:t>ect</a:t>
-            </a:r>
-            <a:r>
-              <a:rPr lang="en-US" dirty="0">
-                <a:solidFill>
-                  <a:srgbClr val="FF0000"/>
-                </a:solidFill>
-                <a:highlight>
-                  <a:srgbClr val="FFFF00"/>
-                </a:highlight>
-              </a:rPr>
-              <a:t>)</a:t>
-            </a:r>
-          </a:p>
-          <a:p>
-            <a:r>
-              <a:rPr lang="en-US" dirty="0"/>
-              <a:t>Segmentation Fault</a:t>
-            </a:r>
-          </a:p>
-          <a:p>
-            <a:r>
-              <a:rPr lang="en-US" dirty="0"/>
-              <a:t>Saving/load game </a:t>
-            </a:r>
-          </a:p>
-          <a:p>
-            <a:r>
-              <a:rPr lang="en-US" dirty="0"/>
-              <a:t>Where to use polymorphism </a:t>
-            </a:r>
-            <a:r>
-              <a:rPr lang="en-US" dirty="0">
-                <a:solidFill>
-                  <a:srgbClr val="FF0000"/>
-                </a:solidFill>
-                <a:highlight>
-                  <a:srgbClr val="FFFF00"/>
-                </a:highlight>
-              </a:rPr>
-              <a:t>(after gameboard -&gt; </a:t>
-            </a:r>
-            <a:r>
-              <a:rPr lang="en-US" dirty="0" err="1">
-                <a:solidFill>
-                  <a:srgbClr val="FF0000"/>
-                </a:solidFill>
-                <a:highlight>
-                  <a:srgbClr val="FFFF00"/>
-                </a:highlight>
-              </a:rPr>
-              <a:t>ticTacBoard</a:t>
-            </a:r>
-            <a:r>
-              <a:rPr lang="en-US" dirty="0">
-                <a:solidFill>
-                  <a:srgbClr val="FF0000"/>
-                </a:solidFill>
-                <a:highlight>
-                  <a:srgbClr val="FFFF00"/>
-                </a:highlight>
-              </a:rPr>
-              <a:t> failed)</a:t>
-            </a:r>
-          </a:p>
-          <a:p>
-            <a:r>
-              <a:rPr lang="en-US" dirty="0"/>
-              <a:t>Ubuntu </a:t>
-            </a:r>
-            <a:r>
-              <a:rPr lang="en-US" dirty="0">
-                <a:solidFill>
-                  <a:srgbClr val="FF0000"/>
-                </a:solidFill>
-                <a:highlight>
-                  <a:srgbClr val="FFFF00"/>
-                </a:highlight>
-              </a:rPr>
-              <a:t>(Jacob) (Yeah it was </a:t>
-            </a:r>
-            <a:r>
-              <a:rPr lang="en-US">
-                <a:solidFill>
-                  <a:srgbClr val="FF0000"/>
-                </a:solidFill>
-                <a:highlight>
-                  <a:srgbClr val="FFFF00"/>
-                </a:highlight>
-              </a:rPr>
-              <a:t>pretty bad)</a:t>
-            </a:r>
-            <a:endParaRPr lang="en-US" dirty="0">
-              <a:solidFill>
-                <a:srgbClr val="FF0000"/>
-              </a:solidFill>
-              <a:highlight>
-                <a:srgbClr val="FFFF00"/>
-              </a:highlight>
-            </a:endParaRPr>
-          </a:p>
-          <a:p>
-            <a:endParaRPr lang="en-US" dirty="0"/>
-          </a:p>
-          <a:p>
-            <a:endParaRPr lang="en-US" dirty="0"/>
-          </a:p>
-          <a:p>
-            <a:endParaRPr lang="en-US" dirty="0"/>
-          </a:p>
-        </p:txBody>
-      </p:sp>
+      </p:pic>
+      <p:pic>
+        <p:nvPicPr>
+          <p:cNvPr id="9" name="Picture 8">
+            <a:extLst>
+              <a:ext uri="{FF2B5EF4-FFF2-40B4-BE49-F238E27FC236}">
+                <a16:creationId xmlns:a16="http://schemas.microsoft.com/office/drawing/2014/main" id="{70CFCD34-934C-2958-4E07-94E7F8C3ED78}"/>
+              </a:ext>
+            </a:extLst>
+          </p:cNvPr>
+          <p:cNvPicPr>
+            <a:picLocks noChangeAspect="1"/>
+          </p:cNvPicPr>
+          <p:nvPr/>
+        </p:nvPicPr>
+        <p:blipFill>
+          <a:blip r:embed="rId3"/>
+          <a:stretch>
+            <a:fillRect/>
+          </a:stretch>
+        </p:blipFill>
+        <p:spPr>
+          <a:xfrm>
+            <a:off x="6396625" y="1357312"/>
+            <a:ext cx="5223510" cy="5071790"/>
+          </a:xfrm>
+          <a:prstGeom prst="rect">
+            <a:avLst/>
+          </a:prstGeom>
+        </p:spPr>
+      </p:pic>
     </p:spTree>
     <p:extLst>
       <p:ext uri="{BB962C8B-B14F-4D97-AF65-F5344CB8AC3E}">
-        <p14:creationId xmlns:p14="http://schemas.microsoft.com/office/powerpoint/2010/main" val="1679180380"/>
+        <p14:creationId xmlns:p14="http://schemas.microsoft.com/office/powerpoint/2010/main" val="2478703220"/>
       </p:ext>
     </p:extLst>
   </p:cSld>

--- a/Strategic tic tac toe demo slides.pptx
+++ b/Strategic tic tac toe demo slides.pptx
@@ -3860,9 +3860,10 @@
           <a:lstStyle/>
           <a:p>
             <a:r>
-              <a:rPr lang="en-US" dirty="0"/>
-              <a:t>By Team Awesome</a:t>
-            </a:r>
+              <a:rPr lang="en-US"/>
+              <a:t>By X’s and O’s and C’s</a:t>
+            </a:r>
+            <a:endParaRPr lang="en-US" dirty="0"/>
           </a:p>
         </p:txBody>
       </p:sp>
